--- a/Java_study/Lecture07.pptx
+++ b/Java_study/Lecture07.pptx
@@ -245,7 +245,7 @@
           <a:p>
             <a:fld id="{5CB665E9-F2AE-4D18-9C6F-3C50487B17B6}" type="datetimeFigureOut">
               <a:rPr lang="zh-CN" altLang="en-US" smtClean="0"/>
-              <a:t>2021/4/23</a:t>
+              <a:t>2021/6/6</a:t>
             </a:fld>
             <a:endParaRPr lang="zh-CN" altLang="en-US"/>
           </a:p>
@@ -837,7 +837,7 @@
           <a:p>
             <a:fld id="{5AA2A74D-1CE1-4B9B-BD1B-7B4E64946170}" type="datetime1">
               <a:rPr lang="zh-CN" altLang="en-US" smtClean="0"/>
-              <a:t>2021/4/23</a:t>
+              <a:t>2021/6/6</a:t>
             </a:fld>
             <a:endParaRPr lang="zh-CN" altLang="en-US"/>
           </a:p>
@@ -1002,7 +1002,7 @@
           <a:p>
             <a:fld id="{A7B0034A-9ED6-436B-A844-CF55608510AA}" type="datetime1">
               <a:rPr lang="zh-CN" altLang="en-US" smtClean="0"/>
-              <a:t>2021/4/23</a:t>
+              <a:t>2021/6/6</a:t>
             </a:fld>
             <a:endParaRPr lang="zh-CN" altLang="en-US"/>
           </a:p>
@@ -1177,7 +1177,7 @@
           <a:p>
             <a:fld id="{77DF2CA5-881F-48A3-9C4B-D3B7288C0E51}" type="datetime1">
               <a:rPr lang="zh-CN" altLang="en-US" smtClean="0"/>
-              <a:t>2021/4/23</a:t>
+              <a:t>2021/6/6</a:t>
             </a:fld>
             <a:endParaRPr lang="zh-CN" altLang="en-US"/>
           </a:p>
@@ -1342,7 +1342,7 @@
           <a:p>
             <a:fld id="{95736E00-DF08-4EA8-BA4E-A834B8FFB5BF}" type="datetime1">
               <a:rPr lang="zh-CN" altLang="en-US" smtClean="0"/>
-              <a:t>2021/4/23</a:t>
+              <a:t>2021/6/6</a:t>
             </a:fld>
             <a:endParaRPr lang="zh-CN" altLang="en-US"/>
           </a:p>
@@ -1583,7 +1583,7 @@
           <a:p>
             <a:fld id="{0C0DB218-6411-4DD1-B7AE-318AD44DC881}" type="datetime1">
               <a:rPr lang="zh-CN" altLang="en-US" smtClean="0"/>
-              <a:t>2021/4/23</a:t>
+              <a:t>2021/6/6</a:t>
             </a:fld>
             <a:endParaRPr lang="zh-CN" altLang="en-US"/>
           </a:p>
@@ -1847,7 +1847,7 @@
           <a:p>
             <a:fld id="{FC540928-C6FC-4E8C-950F-B3D211B00150}" type="datetime1">
               <a:rPr lang="zh-CN" altLang="en-US" smtClean="0"/>
-              <a:t>2021/4/23</a:t>
+              <a:t>2021/6/6</a:t>
             </a:fld>
             <a:endParaRPr lang="zh-CN" altLang="en-US"/>
           </a:p>
@@ -2225,7 +2225,7 @@
           <a:p>
             <a:fld id="{74D39C8C-96D9-4394-868C-B1E39B85B4B1}" type="datetime1">
               <a:rPr lang="zh-CN" altLang="en-US" smtClean="0"/>
-              <a:t>2021/4/23</a:t>
+              <a:t>2021/6/6</a:t>
             </a:fld>
             <a:endParaRPr lang="zh-CN" altLang="en-US"/>
           </a:p>
@@ -2375,7 +2375,7 @@
           <a:p>
             <a:fld id="{035E8154-2480-4261-945F-FAEE5534B257}" type="datetime1">
               <a:rPr lang="zh-CN" altLang="en-US" smtClean="0"/>
-              <a:t>2021/4/23</a:t>
+              <a:t>2021/6/6</a:t>
             </a:fld>
             <a:endParaRPr lang="zh-CN" altLang="en-US"/>
           </a:p>
@@ -2465,7 +2465,7 @@
           <a:p>
             <a:fld id="{549E2BDE-545B-4B41-B087-79F4837C2AA0}" type="datetime1">
               <a:rPr lang="zh-CN" altLang="en-US" smtClean="0"/>
-              <a:t>2021/4/23</a:t>
+              <a:t>2021/6/6</a:t>
             </a:fld>
             <a:endParaRPr lang="zh-CN" altLang="en-US"/>
           </a:p>
@@ -2726,7 +2726,7 @@
           <a:p>
             <a:fld id="{DCDA131E-7834-4060-80D4-7D402E1012F7}" type="datetime1">
               <a:rPr lang="zh-CN" altLang="en-US" smtClean="0"/>
-              <a:t>2021/4/23</a:t>
+              <a:t>2021/6/6</a:t>
             </a:fld>
             <a:endParaRPr lang="zh-CN" altLang="en-US"/>
           </a:p>
@@ -3014,7 +3014,7 @@
           <a:p>
             <a:fld id="{5CCC9729-56FD-4A92-9A9B-8F9B114A0830}" type="datetime1">
               <a:rPr lang="zh-CN" altLang="en-US" smtClean="0"/>
-              <a:t>2021/4/23</a:t>
+              <a:t>2021/6/6</a:t>
             </a:fld>
             <a:endParaRPr lang="zh-CN" altLang="en-US"/>
           </a:p>
@@ -3780,7 +3780,7 @@
           <a:p>
             <a:fld id="{7E2032B8-BD5C-48B0-AE7B-74B3D4C0660F}" type="datetime1">
               <a:rPr lang="zh-CN" altLang="en-US" smtClean="0"/>
-              <a:t>2021/4/23</a:t>
+              <a:t>2021/6/6</a:t>
             </a:fld>
             <a:endParaRPr lang="zh-CN" altLang="en-US"/>
           </a:p>
